--- a/assets/Planning/0_coffee_street.pptx
+++ b/assets/Planning/0_coffee_street.pptx
@@ -16239,10 +16239,10 @@
       </p:pic>
       <p:grpSp>
         <p:nvGrpSpPr>
-          <p:cNvPr id="26" name="그룹 25">
+          <p:cNvPr id="5" name="그룹 4">
             <a:extLst>
               <a:ext uri="{FF2B5EF4-FFF2-40B4-BE49-F238E27FC236}">
-                <a16:creationId xmlns:a16="http://schemas.microsoft.com/office/drawing/2014/main" id="{0CDDD863-16BE-408A-BDC1-E5926B9A0662}"/>
+                <a16:creationId xmlns:a16="http://schemas.microsoft.com/office/drawing/2014/main" id="{AE533542-06D4-49AB-A27D-1DE2E9E91BDA}"/>
               </a:ext>
             </a:extLst>
           </p:cNvPr>
@@ -16251,243 +16251,264 @@
         </p:nvGrpSpPr>
         <p:grpSpPr>
           <a:xfrm>
-            <a:off x="3843302" y="4892424"/>
-            <a:ext cx="4640516" cy="840418"/>
-            <a:chOff x="3985845" y="5215094"/>
-            <a:chExt cx="4640516" cy="840418"/>
+            <a:off x="2416148" y="4861856"/>
+            <a:ext cx="7931980" cy="1626183"/>
+            <a:chOff x="2416148" y="4861856"/>
+            <a:chExt cx="7931980" cy="1626183"/>
           </a:xfrm>
         </p:grpSpPr>
-        <p:sp>
-          <p:nvSpPr>
-            <p:cNvPr id="23" name="직사각형 22">
+        <p:grpSp>
+          <p:nvGrpSpPr>
+            <p:cNvPr id="26" name="그룹 25">
               <a:extLst>
                 <a:ext uri="{FF2B5EF4-FFF2-40B4-BE49-F238E27FC236}">
-                  <a16:creationId xmlns:a16="http://schemas.microsoft.com/office/drawing/2014/main" id="{0C755E23-859E-41A4-AC77-DF6CA26C3D10}"/>
+                  <a16:creationId xmlns:a16="http://schemas.microsoft.com/office/drawing/2014/main" id="{0CDDD863-16BE-408A-BDC1-E5926B9A0662}"/>
                 </a:ext>
               </a:extLst>
             </p:cNvPr>
-            <p:cNvSpPr/>
+            <p:cNvGrpSpPr/>
+            <p:nvPr/>
+          </p:nvGrpSpPr>
+          <p:grpSpPr>
+            <a:xfrm>
+              <a:off x="3843302" y="4892424"/>
+              <a:ext cx="4640516" cy="840418"/>
+              <a:chOff x="3985845" y="5215094"/>
+              <a:chExt cx="4640516" cy="840418"/>
+            </a:xfrm>
+          </p:grpSpPr>
+          <p:sp>
+            <p:nvSpPr>
+              <p:cNvPr id="23" name="직사각형 22">
+                <a:extLst>
+                  <a:ext uri="{FF2B5EF4-FFF2-40B4-BE49-F238E27FC236}">
+                    <a16:creationId xmlns:a16="http://schemas.microsoft.com/office/drawing/2014/main" id="{0C755E23-859E-41A4-AC77-DF6CA26C3D10}"/>
+                  </a:ext>
+                </a:extLst>
+              </p:cNvPr>
+              <p:cNvSpPr/>
+              <p:nvPr/>
+            </p:nvSpPr>
+            <p:spPr>
+              <a:xfrm>
+                <a:off x="3985845" y="5215095"/>
+                <a:ext cx="4220308" cy="840417"/>
+              </a:xfrm>
+              <a:prstGeom prst="rect">
+                <a:avLst/>
+              </a:prstGeom>
+              <a:solidFill>
+                <a:srgbClr val="064CBE"/>
+              </a:solidFill>
+            </p:spPr>
+            <p:style>
+              <a:lnRef idx="2">
+                <a:schemeClr val="accent1">
+                  <a:shade val="50000"/>
+                </a:schemeClr>
+              </a:lnRef>
+              <a:fillRef idx="1">
+                <a:schemeClr val="accent1"/>
+              </a:fillRef>
+              <a:effectRef idx="0">
+                <a:schemeClr val="accent1"/>
+              </a:effectRef>
+              <a:fontRef idx="minor">
+                <a:schemeClr val="lt1"/>
+              </a:fontRef>
+            </p:style>
+            <p:txBody>
+              <a:bodyPr rtlCol="0" anchor="ctr"/>
+              <a:lstStyle/>
+              <a:p>
+                <a:pPr algn="ctr"/>
+                <a:r>
+                  <a:rPr lang="en-US" altLang="ko-KR" dirty="0"/>
+                  <a:t>KOFFEA </a:t>
+                </a:r>
+                <a:r>
+                  <a:rPr lang="en-US" altLang="ko-KR" dirty="0">
+                    <a:solidFill>
+                      <a:srgbClr val="064CBE"/>
+                    </a:solidFill>
+                  </a:rPr>
+                  <a:t>AVENUE</a:t>
+                </a:r>
+                <a:endParaRPr lang="ko-KR" altLang="en-US" dirty="0">
+                  <a:solidFill>
+                    <a:srgbClr val="064CBE"/>
+                  </a:solidFill>
+                </a:endParaRPr>
+              </a:p>
+            </p:txBody>
+          </p:sp>
+          <p:sp>
+            <p:nvSpPr>
+              <p:cNvPr id="25" name="타원 24">
+                <a:extLst>
+                  <a:ext uri="{FF2B5EF4-FFF2-40B4-BE49-F238E27FC236}">
+                    <a16:creationId xmlns:a16="http://schemas.microsoft.com/office/drawing/2014/main" id="{1409AC46-9D52-40F7-BC2E-255117F4C199}"/>
+                  </a:ext>
+                </a:extLst>
+              </p:cNvPr>
+              <p:cNvSpPr/>
+              <p:nvPr/>
+            </p:nvSpPr>
+            <p:spPr>
+              <a:xfrm>
+                <a:off x="7785944" y="5215094"/>
+                <a:ext cx="840417" cy="840417"/>
+              </a:xfrm>
+              <a:prstGeom prst="ellipse">
+                <a:avLst/>
+              </a:prstGeom>
+              <a:solidFill>
+                <a:srgbClr val="064CBE"/>
+              </a:solidFill>
+              <a:ln>
+                <a:solidFill>
+                  <a:srgbClr val="064CBE"/>
+                </a:solidFill>
+              </a:ln>
+            </p:spPr>
+            <p:style>
+              <a:lnRef idx="2">
+                <a:schemeClr val="accent1">
+                  <a:shade val="50000"/>
+                </a:schemeClr>
+              </a:lnRef>
+              <a:fillRef idx="1">
+                <a:schemeClr val="accent1"/>
+              </a:fillRef>
+              <a:effectRef idx="0">
+                <a:schemeClr val="accent1"/>
+              </a:effectRef>
+              <a:fontRef idx="minor">
+                <a:schemeClr val="lt1"/>
+              </a:fontRef>
+            </p:style>
+            <p:txBody>
+              <a:bodyPr rtlCol="0" anchor="ctr"/>
+              <a:lstStyle/>
+              <a:p>
+                <a:pPr algn="ctr"/>
+                <a:endParaRPr lang="ko-KR" altLang="en-US"/>
+              </a:p>
+            </p:txBody>
+          </p:sp>
+        </p:grpSp>
+        <p:sp>
+          <p:nvSpPr>
+            <p:cNvPr id="28" name="TextBox 27">
+              <a:extLst>
+                <a:ext uri="{FF2B5EF4-FFF2-40B4-BE49-F238E27FC236}">
+                  <a16:creationId xmlns:a16="http://schemas.microsoft.com/office/drawing/2014/main" id="{32789240-EC65-470D-AADC-BA41CC0DBBB8}"/>
+                </a:ext>
+              </a:extLst>
+            </p:cNvPr>
+            <p:cNvSpPr txBox="1"/>
             <p:nvPr/>
           </p:nvSpPr>
           <p:spPr>
             <a:xfrm>
-              <a:off x="3985845" y="5215095"/>
-              <a:ext cx="4220308" cy="840417"/>
+              <a:off x="2416148" y="5841708"/>
+              <a:ext cx="7931980" cy="646331"/>
             </a:xfrm>
             <a:prstGeom prst="rect">
               <a:avLst/>
             </a:prstGeom>
-            <a:solidFill>
-              <a:srgbClr val="064CBE"/>
-            </a:solidFill>
+            <a:noFill/>
           </p:spPr>
-          <p:style>
-            <a:lnRef idx="2">
-              <a:schemeClr val="accent1">
-                <a:shade val="50000"/>
-              </a:schemeClr>
-            </a:lnRef>
-            <a:fillRef idx="1">
-              <a:schemeClr val="accent1"/>
-            </a:fillRef>
-            <a:effectRef idx="0">
-              <a:schemeClr val="accent1"/>
-            </a:effectRef>
-            <a:fontRef idx="minor">
-              <a:schemeClr val="lt1"/>
-            </a:fontRef>
-          </p:style>
           <p:txBody>
-            <a:bodyPr rtlCol="0" anchor="ctr"/>
+            <a:bodyPr wrap="none" rtlCol="0">
+              <a:spAutoFit/>
+            </a:bodyPr>
+            <a:lstStyle/>
+            <a:p>
+              <a:r>
+                <a:rPr lang="en-US" altLang="ko-KR" sz="3600" dirty="0"/>
+                <a:t>“</a:t>
+              </a:r>
+              <a:r>
+                <a:rPr lang="ko-KR" altLang="en-US" sz="3600" dirty="0"/>
+                <a:t>당신에게 맞는 커피 길로 안내한다</a:t>
+              </a:r>
+              <a:r>
+                <a:rPr lang="en-US" altLang="ko-KR" sz="3600" dirty="0"/>
+                <a:t>＂</a:t>
+              </a:r>
+              <a:endParaRPr lang="ko-KR" altLang="en-US" sz="3600" dirty="0"/>
+            </a:p>
+          </p:txBody>
+        </p:sp>
+        <p:sp>
+          <p:nvSpPr>
+            <p:cNvPr id="2" name="TextBox 1">
+              <a:extLst>
+                <a:ext uri="{FF2B5EF4-FFF2-40B4-BE49-F238E27FC236}">
+                  <a16:creationId xmlns:a16="http://schemas.microsoft.com/office/drawing/2014/main" id="{EB6941FE-6D5C-4846-B169-B98AD55D169E}"/>
+                </a:ext>
+              </a:extLst>
+            </p:cNvPr>
+            <p:cNvSpPr txBox="1"/>
+            <p:nvPr/>
+          </p:nvSpPr>
+          <p:spPr>
+            <a:xfrm>
+              <a:off x="5791199" y="4861856"/>
+              <a:ext cx="1333082" cy="923330"/>
+            </a:xfrm>
+            <a:prstGeom prst="rect">
+              <a:avLst/>
+            </a:prstGeom>
+            <a:noFill/>
+          </p:spPr>
+          <p:txBody>
+            <a:bodyPr wrap="square" rtlCol="0">
+              <a:spAutoFit/>
+            </a:bodyPr>
             <a:lstStyle/>
             <a:p>
               <a:pPr algn="ctr"/>
               <a:r>
-                <a:rPr lang="en-US" altLang="ko-KR" dirty="0"/>
-                <a:t>KOFFEA </a:t>
+                <a:rPr lang="en-US" altLang="ko-KR" dirty="0">
+                  <a:solidFill>
+                    <a:schemeClr val="bg1"/>
+                  </a:solidFill>
+                </a:rPr>
+                <a:t>Via</a:t>
               </a:r>
+            </a:p>
+            <a:p>
+              <a:pPr algn="ctr"/>
               <a:r>
                 <a:rPr lang="en-US" altLang="ko-KR" dirty="0">
                   <a:solidFill>
-                    <a:srgbClr val="064CBE"/>
+                    <a:schemeClr val="bg1"/>
                   </a:solidFill>
                 </a:rPr>
-                <a:t>AVENUE</a:t>
+                <a:t>STRADA</a:t>
+              </a:r>
+            </a:p>
+            <a:p>
+              <a:pPr algn="ctr"/>
+              <a:r>
+                <a:rPr lang="en-US" altLang="ko-KR" dirty="0">
+                  <a:solidFill>
+                    <a:schemeClr val="bg1"/>
+                  </a:solidFill>
+                </a:rPr>
+                <a:t>TRAMITE</a:t>
               </a:r>
               <a:endParaRPr lang="ko-KR" altLang="en-US" dirty="0">
                 <a:solidFill>
-                  <a:srgbClr val="064CBE"/>
+                  <a:schemeClr val="bg1"/>
                 </a:solidFill>
               </a:endParaRPr>
             </a:p>
           </p:txBody>
         </p:sp>
-        <p:sp>
-          <p:nvSpPr>
-            <p:cNvPr id="25" name="타원 24">
-              <a:extLst>
-                <a:ext uri="{FF2B5EF4-FFF2-40B4-BE49-F238E27FC236}">
-                  <a16:creationId xmlns:a16="http://schemas.microsoft.com/office/drawing/2014/main" id="{1409AC46-9D52-40F7-BC2E-255117F4C199}"/>
-                </a:ext>
-              </a:extLst>
-            </p:cNvPr>
-            <p:cNvSpPr/>
-            <p:nvPr/>
-          </p:nvSpPr>
-          <p:spPr>
-            <a:xfrm>
-              <a:off x="7785944" y="5215094"/>
-              <a:ext cx="840417" cy="840417"/>
-            </a:xfrm>
-            <a:prstGeom prst="ellipse">
-              <a:avLst/>
-            </a:prstGeom>
-            <a:solidFill>
-              <a:srgbClr val="064CBE"/>
-            </a:solidFill>
-            <a:ln>
-              <a:solidFill>
-                <a:srgbClr val="064CBE"/>
-              </a:solidFill>
-            </a:ln>
-          </p:spPr>
-          <p:style>
-            <a:lnRef idx="2">
-              <a:schemeClr val="accent1">
-                <a:shade val="50000"/>
-              </a:schemeClr>
-            </a:lnRef>
-            <a:fillRef idx="1">
-              <a:schemeClr val="accent1"/>
-            </a:fillRef>
-            <a:effectRef idx="0">
-              <a:schemeClr val="accent1"/>
-            </a:effectRef>
-            <a:fontRef idx="minor">
-              <a:schemeClr val="lt1"/>
-            </a:fontRef>
-          </p:style>
-          <p:txBody>
-            <a:bodyPr rtlCol="0" anchor="ctr"/>
-            <a:lstStyle/>
-            <a:p>
-              <a:pPr algn="ctr"/>
-              <a:endParaRPr lang="ko-KR" altLang="en-US"/>
-            </a:p>
-          </p:txBody>
-        </p:sp>
       </p:grpSp>
-      <p:sp>
-        <p:nvSpPr>
-          <p:cNvPr id="28" name="TextBox 27">
-            <a:extLst>
-              <a:ext uri="{FF2B5EF4-FFF2-40B4-BE49-F238E27FC236}">
-                <a16:creationId xmlns:a16="http://schemas.microsoft.com/office/drawing/2014/main" id="{32789240-EC65-470D-AADC-BA41CC0DBBB8}"/>
-              </a:ext>
-            </a:extLst>
-          </p:cNvPr>
-          <p:cNvSpPr txBox="1"/>
-          <p:nvPr/>
-        </p:nvSpPr>
-        <p:spPr>
-          <a:xfrm>
-            <a:off x="2416148" y="5841708"/>
-            <a:ext cx="7931980" cy="646331"/>
-          </a:xfrm>
-          <a:prstGeom prst="rect">
-            <a:avLst/>
-          </a:prstGeom>
-          <a:noFill/>
-        </p:spPr>
-        <p:txBody>
-          <a:bodyPr wrap="none" rtlCol="0">
-            <a:spAutoFit/>
-          </a:bodyPr>
-          <a:lstStyle/>
-          <a:p>
-            <a:r>
-              <a:rPr lang="en-US" altLang="ko-KR" sz="3600" dirty="0"/>
-              <a:t>“</a:t>
-            </a:r>
-            <a:r>
-              <a:rPr lang="ko-KR" altLang="en-US" sz="3600" dirty="0"/>
-              <a:t>당신에게 맞는 커피 길로 안내한다</a:t>
-            </a:r>
-            <a:r>
-              <a:rPr lang="en-US" altLang="ko-KR" sz="3600" dirty="0"/>
-              <a:t>＂</a:t>
-            </a:r>
-            <a:endParaRPr lang="ko-KR" altLang="en-US" sz="3600" dirty="0"/>
-          </a:p>
-        </p:txBody>
-      </p:sp>
-      <p:sp>
-        <p:nvSpPr>
-          <p:cNvPr id="2" name="TextBox 1">
-            <a:extLst>
-              <a:ext uri="{FF2B5EF4-FFF2-40B4-BE49-F238E27FC236}">
-                <a16:creationId xmlns:a16="http://schemas.microsoft.com/office/drawing/2014/main" id="{EB6941FE-6D5C-4846-B169-B98AD55D169E}"/>
-              </a:ext>
-            </a:extLst>
-          </p:cNvPr>
-          <p:cNvSpPr txBox="1"/>
-          <p:nvPr/>
-        </p:nvSpPr>
-        <p:spPr>
-          <a:xfrm>
-            <a:off x="5791199" y="4861856"/>
-            <a:ext cx="1333082" cy="923330"/>
-          </a:xfrm>
-          <a:prstGeom prst="rect">
-            <a:avLst/>
-          </a:prstGeom>
-          <a:noFill/>
-        </p:spPr>
-        <p:txBody>
-          <a:bodyPr wrap="square" rtlCol="0">
-            <a:spAutoFit/>
-          </a:bodyPr>
-          <a:lstStyle/>
-          <a:p>
-            <a:pPr algn="ctr"/>
-            <a:r>
-              <a:rPr lang="en-US" altLang="ko-KR" dirty="0">
-                <a:solidFill>
-                  <a:schemeClr val="bg1"/>
-                </a:solidFill>
-              </a:rPr>
-              <a:t>Via</a:t>
-            </a:r>
-          </a:p>
-          <a:p>
-            <a:pPr algn="ctr"/>
-            <a:r>
-              <a:rPr lang="en-US" altLang="ko-KR" dirty="0">
-                <a:solidFill>
-                  <a:schemeClr val="bg1"/>
-                </a:solidFill>
-              </a:rPr>
-              <a:t>STRADA</a:t>
-            </a:r>
-          </a:p>
-          <a:p>
-            <a:pPr algn="ctr"/>
-            <a:r>
-              <a:rPr lang="en-US" altLang="ko-KR" dirty="0">
-                <a:solidFill>
-                  <a:schemeClr val="bg1"/>
-                </a:solidFill>
-              </a:rPr>
-              <a:t>TRAMITE</a:t>
-            </a:r>
-            <a:endParaRPr lang="ko-KR" altLang="en-US" dirty="0">
-              <a:solidFill>
-                <a:schemeClr val="bg1"/>
-              </a:solidFill>
-            </a:endParaRPr>
-          </a:p>
-        </p:txBody>
-      </p:sp>
     </p:spTree>
     <p:extLst>
       <p:ext uri="{BB962C8B-B14F-4D97-AF65-F5344CB8AC3E}">
